--- a/Presentation/SEMix_Poster_Akond.pptx
+++ b/Presentation/SEMix_Poster_Akond.pptx
@@ -238,7 +238,7 @@
           <a:p>
             <a:fld id="{F53B3875-8CBD-4112-82B3-9BB639B6BC24}" type="datetimeFigureOut">
               <a:rPr lang="en-US" smtClean="0"/>
-              <a:t>7/4/16</a:t>
+              <a:t>7/7/16</a:t>
             </a:fld>
             <a:endParaRPr lang="en-US"/>
           </a:p>
@@ -408,7 +408,7 @@
           <a:p>
             <a:fld id="{F53B3875-8CBD-4112-82B3-9BB639B6BC24}" type="datetimeFigureOut">
               <a:rPr lang="en-US" smtClean="0"/>
-              <a:t>7/4/16</a:t>
+              <a:t>7/7/16</a:t>
             </a:fld>
             <a:endParaRPr lang="en-US"/>
           </a:p>
@@ -588,7 +588,7 @@
           <a:p>
             <a:fld id="{F53B3875-8CBD-4112-82B3-9BB639B6BC24}" type="datetimeFigureOut">
               <a:rPr lang="en-US" smtClean="0"/>
-              <a:t>7/4/16</a:t>
+              <a:t>7/7/16</a:t>
             </a:fld>
             <a:endParaRPr lang="en-US"/>
           </a:p>
@@ -758,7 +758,7 @@
           <a:p>
             <a:fld id="{F53B3875-8CBD-4112-82B3-9BB639B6BC24}" type="datetimeFigureOut">
               <a:rPr lang="en-US" smtClean="0"/>
-              <a:t>7/4/16</a:t>
+              <a:t>7/7/16</a:t>
             </a:fld>
             <a:endParaRPr lang="en-US"/>
           </a:p>
@@ -1004,7 +1004,7 @@
           <a:p>
             <a:fld id="{F53B3875-8CBD-4112-82B3-9BB639B6BC24}" type="datetimeFigureOut">
               <a:rPr lang="en-US" smtClean="0"/>
-              <a:t>7/4/16</a:t>
+              <a:t>7/7/16</a:t>
             </a:fld>
             <a:endParaRPr lang="en-US"/>
           </a:p>
@@ -1236,7 +1236,7 @@
           <a:p>
             <a:fld id="{F53B3875-8CBD-4112-82B3-9BB639B6BC24}" type="datetimeFigureOut">
               <a:rPr lang="en-US" smtClean="0"/>
-              <a:t>7/4/16</a:t>
+              <a:t>7/7/16</a:t>
             </a:fld>
             <a:endParaRPr lang="en-US"/>
           </a:p>
@@ -1603,7 +1603,7 @@
           <a:p>
             <a:fld id="{F53B3875-8CBD-4112-82B3-9BB639B6BC24}" type="datetimeFigureOut">
               <a:rPr lang="en-US" smtClean="0"/>
-              <a:t>7/4/16</a:t>
+              <a:t>7/7/16</a:t>
             </a:fld>
             <a:endParaRPr lang="en-US"/>
           </a:p>
@@ -1721,7 +1721,7 @@
           <a:p>
             <a:fld id="{F53B3875-8CBD-4112-82B3-9BB639B6BC24}" type="datetimeFigureOut">
               <a:rPr lang="en-US" smtClean="0"/>
-              <a:t>7/4/16</a:t>
+              <a:t>7/7/16</a:t>
             </a:fld>
             <a:endParaRPr lang="en-US"/>
           </a:p>
@@ -1816,7 +1816,7 @@
           <a:p>
             <a:fld id="{F53B3875-8CBD-4112-82B3-9BB639B6BC24}" type="datetimeFigureOut">
               <a:rPr lang="en-US" smtClean="0"/>
-              <a:t>7/4/16</a:t>
+              <a:t>7/7/16</a:t>
             </a:fld>
             <a:endParaRPr lang="en-US"/>
           </a:p>
@@ -2194,7 +2194,7 @@
           <a:p>
             <a:fld id="{F53B3875-8CBD-4112-82B3-9BB639B6BC24}" type="datetimeFigureOut">
               <a:rPr lang="en-US" smtClean="0"/>
-              <a:t>7/4/16</a:t>
+              <a:t>7/7/16</a:t>
             </a:fld>
             <a:endParaRPr lang="en-US"/>
           </a:p>
@@ -2451,7 +2451,7 @@
           <a:p>
             <a:fld id="{F53B3875-8CBD-4112-82B3-9BB639B6BC24}" type="datetimeFigureOut">
               <a:rPr lang="en-US" smtClean="0"/>
-              <a:t>7/4/16</a:t>
+              <a:t>7/7/16</a:t>
             </a:fld>
             <a:endParaRPr lang="en-US"/>
           </a:p>
@@ -2664,7 +2664,7 @@
           <a:p>
             <a:fld id="{F53B3875-8CBD-4112-82B3-9BB639B6BC24}" type="datetimeFigureOut">
               <a:rPr lang="en-US" smtClean="0"/>
-              <a:t>7/4/16</a:t>
+              <a:t>7/7/16</a:t>
             </a:fld>
             <a:endParaRPr lang="en-US"/>
           </a:p>
@@ -3115,21 +3115,7 @@
                 <a:latin typeface="Segoe UI Light" panose="020B0502040204020203" pitchFamily="34" charset="0"/>
                 <a:cs typeface="Segoe UI Light" panose="020B0502040204020203" pitchFamily="34" charset="0"/>
               </a:rPr>
-              <a:t>Quantifying Semantic </a:t>
-            </a:r>
-            <a:r>
-              <a:rPr lang="en-US" sz="14400" dirty="0" err="1" smtClean="0">
-                <a:latin typeface="Segoe UI Light" panose="020B0502040204020203" pitchFamily="34" charset="0"/>
-                <a:cs typeface="Segoe UI Light" panose="020B0502040204020203" pitchFamily="34" charset="0"/>
-              </a:rPr>
-              <a:t>Similairty</a:t>
-            </a:r>
-            <a:r>
-              <a:rPr lang="en-US" sz="14400" dirty="0" smtClean="0">
-                <a:latin typeface="Segoe UI Light" panose="020B0502040204020203" pitchFamily="34" charset="0"/>
-                <a:cs typeface="Segoe UI Light" panose="020B0502040204020203" pitchFamily="34" charset="0"/>
-              </a:rPr>
-              <a:t> of Software Projects </a:t>
+              <a:t>Quantifying Semantic Similarity of Software Projects </a:t>
             </a:r>
           </a:p>
           <a:p>
@@ -3154,10 +3140,6 @@
               </a:rPr>
               <a:t>/8pK2jv</a:t>
             </a:r>
-            <a:endParaRPr lang="en-US" sz="14400" dirty="0">
-              <a:latin typeface="Segoe UI Light" panose="020B0502040204020203" pitchFamily="34" charset="0"/>
-              <a:cs typeface="Segoe UI Light" panose="020B0502040204020203" pitchFamily="34" charset="0"/>
-            </a:endParaRPr>
           </a:p>
         </p:txBody>
       </p:sp>
@@ -3296,14 +3278,7 @@
                   <a:latin typeface="Segoe UI Light" panose="020B0502040204020203" pitchFamily="34" charset="0"/>
                   <a:cs typeface="Segoe UI Light" panose="020B0502040204020203" pitchFamily="34" charset="0"/>
                 </a:rPr>
-                <a:t>Affiliation: </a:t>
-              </a:r>
-              <a:r>
-                <a:rPr lang="en-US" sz="7200" b="1" dirty="0" smtClean="0">
-                  <a:latin typeface="Segoe UI Light" panose="020B0502040204020203" pitchFamily="34" charset="0"/>
-                  <a:cs typeface="Segoe UI Light" panose="020B0502040204020203" pitchFamily="34" charset="0"/>
-                </a:rPr>
-                <a:t>NCSU</a:t>
+                <a:t>Affiliation: NCSU</a:t>
               </a:r>
               <a:br>
                 <a:rPr lang="en-US" sz="7200" b="1" dirty="0" smtClean="0">
@@ -3415,14 +3390,38 @@
                 <a:latin typeface="Segoe UI Light" panose="020B0502040204020203" pitchFamily="34" charset="0"/>
                 <a:cs typeface="Segoe UI Light" panose="020B0502040204020203" pitchFamily="34" charset="0"/>
               </a:rPr>
-              <a:t>How to </a:t>
-            </a:r>
+              <a:t>How to know which and how software projects are similar to each other? </a:t>
+            </a:r>
+            <a:endParaRPr lang="en-US" sz="10800" dirty="0">
+              <a:latin typeface="Segoe UI Light" panose="020B0502040204020203" pitchFamily="34" charset="0"/>
+              <a:cs typeface="Segoe UI Light" panose="020B0502040204020203" pitchFamily="34" charset="0"/>
+            </a:endParaRPr>
+          </a:p>
+          <a:p>
+            <a:pPr marL="1285911" indent="-1285911">
+              <a:buFont typeface="Arial" panose="020B0604020202020204" pitchFamily="34" charset="0"/>
+              <a:buChar char="•"/>
+            </a:pPr>
             <a:r>
               <a:rPr lang="en-US" sz="10800" dirty="0" smtClean="0">
                 <a:latin typeface="Segoe UI Light" panose="020B0502040204020203" pitchFamily="34" charset="0"/>
                 <a:cs typeface="Segoe UI Light" panose="020B0502040204020203" pitchFamily="34" charset="0"/>
               </a:rPr>
-              <a:t>know which and how software projects are similar to each other? </a:t>
+              <a:t>Aimed to help </a:t>
+            </a:r>
+            <a:r>
+              <a:rPr lang="en-US" sz="10800" dirty="0">
+                <a:latin typeface="Segoe UI Light" panose="020B0502040204020203" pitchFamily="34" charset="0"/>
+                <a:cs typeface="Segoe UI Light" panose="020B0502040204020203" pitchFamily="34" charset="0"/>
+              </a:rPr>
+              <a:t>s</a:t>
+            </a:r>
+            <a:r>
+              <a:rPr lang="en-US" sz="10800" dirty="0" smtClean="0">
+                <a:latin typeface="Segoe UI Light" panose="020B0502040204020203" pitchFamily="34" charset="0"/>
+                <a:cs typeface="Segoe UI Light" panose="020B0502040204020203" pitchFamily="34" charset="0"/>
+              </a:rPr>
+              <a:t>oftware practitioners</a:t>
             </a:r>
             <a:endParaRPr lang="en-US" sz="10800" dirty="0">
               <a:latin typeface="Segoe UI Light" panose="020B0502040204020203" pitchFamily="34" charset="0"/>
@@ -3439,24 +3438,14 @@
                 <a:latin typeface="Segoe UI Light" panose="020B0502040204020203" pitchFamily="34" charset="0"/>
                 <a:cs typeface="Segoe UI Light" panose="020B0502040204020203" pitchFamily="34" charset="0"/>
               </a:rPr>
-              <a:t>Software practitioners</a:t>
-            </a:r>
-            <a:endParaRPr lang="en-US" sz="10800" dirty="0">
-              <a:latin typeface="Segoe UI Light" panose="020B0502040204020203" pitchFamily="34" charset="0"/>
-              <a:cs typeface="Segoe UI Light" panose="020B0502040204020203" pitchFamily="34" charset="0"/>
-            </a:endParaRPr>
-          </a:p>
-          <a:p>
-            <a:pPr marL="1285911" indent="-1285911">
-              <a:buFont typeface="Arial" panose="020B0604020202020204" pitchFamily="34" charset="0"/>
-              <a:buChar char="•"/>
-            </a:pPr>
+              <a:t>Automatic </a:t>
+            </a:r>
             <a:r>
               <a:rPr lang="en-US" sz="10800" dirty="0" smtClean="0">
                 <a:latin typeface="Segoe UI Light" panose="020B0502040204020203" pitchFamily="34" charset="0"/>
                 <a:cs typeface="Segoe UI Light" panose="020B0502040204020203" pitchFamily="34" charset="0"/>
               </a:rPr>
-              <a:t>Automated similarity will facilitate in software reuse</a:t>
+              <a:t>similarity will facilitate in software reuse</a:t>
             </a:r>
             <a:endParaRPr lang="en-US" sz="10800" dirty="0">
               <a:latin typeface="Segoe UI Light" panose="020B0502040204020203" pitchFamily="34" charset="0"/>
@@ -3569,8 +3558,8 @@
         </p:blipFill>
         <p:spPr>
           <a:xfrm>
-            <a:off x="27829740" y="8834685"/>
-            <a:ext cx="14632701" cy="14411578"/>
+            <a:off x="27829740" y="8724250"/>
+            <a:ext cx="14798354" cy="14742879"/>
           </a:xfrm>
           <a:prstGeom prst="rect">
             <a:avLst/>
@@ -3845,7 +3834,7 @@
   <a:extraClrSchemeLst/>
   <a:extLst>
     <a:ext uri="{05A4C25C-085E-4340-85A3-A5531E510DB2}">
-      <thm15:themeFamily xmlns:thm15="http://schemas.microsoft.com/office/thememl/2012/main" xmlns="" name="Office Theme" id="{62F939B6-93AF-4DB8-9C6B-D6C7DFDC589F}" vid="{4A3C46E8-61CC-4603-A589-7422A47A8E4A}"/>
+      <thm15:themeFamily xmlns="" xmlns:thm15="http://schemas.microsoft.com/office/thememl/2012/main" name="Office Theme" id="{62F939B6-93AF-4DB8-9C6B-D6C7DFDC589F}" vid="{4A3C46E8-61CC-4603-A589-7422A47A8E4A}"/>
     </a:ext>
   </a:extLst>
 </a:theme>
